--- a/docs/diagrams/LogicComponentClassDiagram.pptx
+++ b/docs/diagrams/LogicComponentClassDiagram.pptx
@@ -212,7 +212,7 @@
           <a:p>
             <a:fld id="{F5CC4B3F-88C1-4FFA-B1B6-F41C21DC6924}" type="datetimeFigureOut">
               <a:rPr lang="en-US" smtClean="0"/>
-              <a:t>7/20/17</a:t>
+              <a:t>4/16/2018</a:t>
             </a:fld>
             <a:endParaRPr lang="en-US"/>
           </a:p>
@@ -658,7 +658,7 @@
           <a:p>
             <a:fld id="{78C97017-6FC3-485B-9764-EAC9E56C1D49}" type="datetimeFigureOut">
               <a:rPr lang="en-US" smtClean="0"/>
-              <a:t>7/20/17</a:t>
+              <a:t>4/16/2018</a:t>
             </a:fld>
             <a:endParaRPr lang="en-US"/>
           </a:p>
@@ -826,7 +826,7 @@
           <a:p>
             <a:fld id="{78C97017-6FC3-485B-9764-EAC9E56C1D49}" type="datetimeFigureOut">
               <a:rPr lang="en-US" smtClean="0"/>
-              <a:t>7/20/17</a:t>
+              <a:t>4/16/2018</a:t>
             </a:fld>
             <a:endParaRPr lang="en-US"/>
           </a:p>
@@ -1004,7 +1004,7 @@
           <a:p>
             <a:fld id="{78C97017-6FC3-485B-9764-EAC9E56C1D49}" type="datetimeFigureOut">
               <a:rPr lang="en-US" smtClean="0"/>
-              <a:t>7/20/17</a:t>
+              <a:t>4/16/2018</a:t>
             </a:fld>
             <a:endParaRPr lang="en-US"/>
           </a:p>
@@ -1172,7 +1172,7 @@
           <a:p>
             <a:fld id="{78C97017-6FC3-485B-9764-EAC9E56C1D49}" type="datetimeFigureOut">
               <a:rPr lang="en-US" smtClean="0"/>
-              <a:t>7/20/17</a:t>
+              <a:t>4/16/2018</a:t>
             </a:fld>
             <a:endParaRPr lang="en-US"/>
           </a:p>
@@ -1417,7 +1417,7 @@
           <a:p>
             <a:fld id="{78C97017-6FC3-485B-9764-EAC9E56C1D49}" type="datetimeFigureOut">
               <a:rPr lang="en-US" smtClean="0"/>
-              <a:t>7/20/17</a:t>
+              <a:t>4/16/2018</a:t>
             </a:fld>
             <a:endParaRPr lang="en-US"/>
           </a:p>
@@ -1702,7 +1702,7 @@
           <a:p>
             <a:fld id="{78C97017-6FC3-485B-9764-EAC9E56C1D49}" type="datetimeFigureOut">
               <a:rPr lang="en-US" smtClean="0"/>
-              <a:t>7/20/17</a:t>
+              <a:t>4/16/2018</a:t>
             </a:fld>
             <a:endParaRPr lang="en-US"/>
           </a:p>
@@ -2121,7 +2121,7 @@
           <a:p>
             <a:fld id="{78C97017-6FC3-485B-9764-EAC9E56C1D49}" type="datetimeFigureOut">
               <a:rPr lang="en-US" smtClean="0"/>
-              <a:t>7/20/17</a:t>
+              <a:t>4/16/2018</a:t>
             </a:fld>
             <a:endParaRPr lang="en-US"/>
           </a:p>
@@ -2238,7 +2238,7 @@
           <a:p>
             <a:fld id="{78C97017-6FC3-485B-9764-EAC9E56C1D49}" type="datetimeFigureOut">
               <a:rPr lang="en-US" smtClean="0"/>
-              <a:t>7/20/17</a:t>
+              <a:t>4/16/2018</a:t>
             </a:fld>
             <a:endParaRPr lang="en-US"/>
           </a:p>
@@ -2333,7 +2333,7 @@
           <a:p>
             <a:fld id="{78C97017-6FC3-485B-9764-EAC9E56C1D49}" type="datetimeFigureOut">
               <a:rPr lang="en-US" smtClean="0"/>
-              <a:t>7/20/17</a:t>
+              <a:t>4/16/2018</a:t>
             </a:fld>
             <a:endParaRPr lang="en-US"/>
           </a:p>
@@ -2608,7 +2608,7 @@
           <a:p>
             <a:fld id="{78C97017-6FC3-485B-9764-EAC9E56C1D49}" type="datetimeFigureOut">
               <a:rPr lang="en-US" smtClean="0"/>
-              <a:t>7/20/17</a:t>
+              <a:t>4/16/2018</a:t>
             </a:fld>
             <a:endParaRPr lang="en-US"/>
           </a:p>
@@ -2860,7 +2860,7 @@
           <a:p>
             <a:fld id="{78C97017-6FC3-485B-9764-EAC9E56C1D49}" type="datetimeFigureOut">
               <a:rPr lang="en-US" smtClean="0"/>
-              <a:t>7/20/17</a:t>
+              <a:t>4/16/2018</a:t>
             </a:fld>
             <a:endParaRPr lang="en-US"/>
           </a:p>
@@ -3071,7 +3071,7 @@
           <a:p>
             <a:fld id="{78C97017-6FC3-485B-9764-EAC9E56C1D49}" type="datetimeFigureOut">
               <a:rPr lang="en-US" smtClean="0"/>
-              <a:t>7/20/17</a:t>
+              <a:t>4/16/2018</a:t>
             </a:fld>
             <a:endParaRPr lang="en-US"/>
           </a:p>
@@ -5517,7 +5517,7 @@
           <p:cNvPr id="97" name="Rectangle 96">
             <a:extLst>
               <a:ext uri="{FF2B5EF4-FFF2-40B4-BE49-F238E27FC236}">
-                <a16:creationId xmlns="" xmlns:a16="http://schemas.microsoft.com/office/drawing/2014/main" id="{AADE6A0C-89AB-467B-8CEA-5FCF36CE0D21}"/>
+                <a16:creationId xmlns:a16="http://schemas.microsoft.com/office/drawing/2014/main" id="{AADE6A0C-89AB-467B-8CEA-5FCF36CE0D21}"/>
               </a:ext>
             </a:extLst>
           </p:cNvPr>
@@ -6215,160 +6215,6 @@
             <a:endParaRPr lang="en-US" sz="1050" dirty="0">
               <a:solidFill>
                 <a:schemeClr val="bg1"/>
-              </a:solidFill>
-            </a:endParaRPr>
-          </a:p>
-        </p:txBody>
-      </p:sp>
-      <p:sp>
-        <p:nvSpPr>
-          <p:cNvPr id="59" name="Rectangle 62"/>
-          <p:cNvSpPr/>
-          <p:nvPr/>
-        </p:nvSpPr>
-        <p:spPr>
-          <a:xfrm>
-            <a:off x="2334221" y="3058789"/>
-            <a:ext cx="758695" cy="346760"/>
-          </a:xfrm>
-          <a:prstGeom prst="rect">
-            <a:avLst/>
-          </a:prstGeom>
-          <a:solidFill>
-            <a:srgbClr val="0070C0"/>
-          </a:solidFill>
-          <a:ln w="19050">
-            <a:solidFill>
-              <a:srgbClr val="0070C0"/>
-            </a:solidFill>
-          </a:ln>
-          <a:effectLst/>
-        </p:spPr>
-        <p:style>
-          <a:lnRef idx="1">
-            <a:schemeClr val="accent2"/>
-          </a:lnRef>
-          <a:fillRef idx="2">
-            <a:schemeClr val="accent2"/>
-          </a:fillRef>
-          <a:effectRef idx="1">
-            <a:schemeClr val="accent2"/>
-          </a:effectRef>
-          <a:fontRef idx="minor">
-            <a:schemeClr val="dk1"/>
-          </a:fontRef>
-        </p:style>
-        <p:txBody>
-          <a:bodyPr rtlCol="0" anchor="ctr"/>
-          <a:lstStyle/>
-          <a:p>
-            <a:pPr algn="ctr"/>
-            <a:r>
-              <a:rPr lang="en-US" sz="1050" dirty="0" err="1" smtClean="0">
-                <a:solidFill>
-                  <a:schemeClr val="bg1"/>
-                </a:solidFill>
-              </a:rPr>
-              <a:t>UndoRedo</a:t>
-            </a:r>
-            <a:endParaRPr lang="en-US" sz="1050" dirty="0" smtClean="0">
-              <a:solidFill>
-                <a:schemeClr val="bg1"/>
-              </a:solidFill>
-            </a:endParaRPr>
-          </a:p>
-          <a:p>
-            <a:pPr algn="ctr"/>
-            <a:r>
-              <a:rPr lang="en-US" sz="1050" dirty="0" smtClean="0">
-                <a:solidFill>
-                  <a:schemeClr val="bg1"/>
-                </a:solidFill>
-              </a:rPr>
-              <a:t>Stack</a:t>
-            </a:r>
-            <a:endParaRPr lang="en-SG" sz="1050" dirty="0">
-              <a:solidFill>
-                <a:schemeClr val="bg1"/>
-              </a:solidFill>
-            </a:endParaRPr>
-          </a:p>
-        </p:txBody>
-      </p:sp>
-      <p:cxnSp>
-        <p:nvCxnSpPr>
-          <p:cNvPr id="61" name="Straight Arrow Connector 57"/>
-          <p:cNvCxnSpPr>
-            <a:endCxn id="59" idx="2"/>
-          </p:cNvCxnSpPr>
-          <p:nvPr/>
-        </p:nvCxnSpPr>
-        <p:spPr>
-          <a:xfrm flipV="1">
-            <a:off x="2713568" y="3405549"/>
-            <a:ext cx="1" cy="177981"/>
-          </a:xfrm>
-          <a:prstGeom prst="straightConnector1">
-            <a:avLst/>
-          </a:prstGeom>
-          <a:ln w="19050">
-            <a:solidFill>
-              <a:srgbClr val="0070C0"/>
-            </a:solidFill>
-            <a:headEnd type="none" w="med" len="med"/>
-            <a:tailEnd type="arrow" w="med" len="med"/>
-          </a:ln>
-          <a:effectLst/>
-        </p:spPr>
-        <p:style>
-          <a:lnRef idx="1">
-            <a:schemeClr val="accent2"/>
-          </a:lnRef>
-          <a:fillRef idx="2">
-            <a:schemeClr val="accent2"/>
-          </a:fillRef>
-          <a:effectRef idx="1">
-            <a:schemeClr val="accent2"/>
-          </a:effectRef>
-          <a:fontRef idx="minor">
-            <a:schemeClr val="dk1"/>
-          </a:fontRef>
-        </p:style>
-      </p:cxnSp>
-      <p:sp>
-        <p:nvSpPr>
-          <p:cNvPr id="63" name="TextBox 62"/>
-          <p:cNvSpPr txBox="1"/>
-          <p:nvPr/>
-        </p:nvSpPr>
-        <p:spPr>
-          <a:xfrm>
-            <a:off x="2724741" y="3418256"/>
-            <a:ext cx="131116" cy="230832"/>
-          </a:xfrm>
-          <a:prstGeom prst="rect">
-            <a:avLst/>
-          </a:prstGeom>
-          <a:noFill/>
-        </p:spPr>
-        <p:txBody>
-          <a:bodyPr wrap="square" lIns="0" tIns="0" rIns="0" bIns="0" rtlCol="0">
-            <a:noAutofit/>
-          </a:bodyPr>
-          <a:lstStyle/>
-          <a:p>
-            <a:pPr algn="r"/>
-            <a:r>
-              <a:rPr lang="en-US" sz="1100" dirty="0">
-                <a:solidFill>
-                  <a:srgbClr val="0070C0"/>
-                </a:solidFill>
-              </a:rPr>
-              <a:t>1</a:t>
-            </a:r>
-            <a:endParaRPr lang="en-SG" sz="1100" dirty="0">
-              <a:solidFill>
-                <a:srgbClr val="0070C0"/>
               </a:solidFill>
             </a:endParaRPr>
           </a:p>
